--- a/Tester.pptx
+++ b/Tester.pptx
@@ -186,7 +186,7 @@
           <a:p>
             <a:fld id="{1D8BD707-D9CF-40AE-B4C6-C98DA3205C09}" type="datetimeFigureOut">
               <a:rPr lang="en-US"/>
-              <a:t>11/27/24</a:t>
+              <a:t>1/12/2025</a:t>
             </a:fld>
             <a:endParaRPr lang="en-US"/>
           </a:p>
@@ -361,7 +361,7 @@
           <a:p>
             <a:fld id="{1D8BD707-D9CF-40AE-B4C6-C98DA3205C09}" type="datetimeFigureOut">
               <a:rPr lang="en-US"/>
-              <a:t>11/27/24</a:t>
+              <a:t>1/12/2025</a:t>
             </a:fld>
             <a:endParaRPr lang="en-US"/>
           </a:p>
@@ -575,7 +575,7 @@
           <a:p>
             <a:fld id="{1D8BD707-D9CF-40AE-B4C6-C98DA3205C09}" type="datetimeFigureOut">
               <a:rPr lang="en-US"/>
-              <a:t>11/27/24</a:t>
+              <a:t>1/12/2025</a:t>
             </a:fld>
             <a:endParaRPr lang="en-US"/>
           </a:p>
@@ -753,7 +753,7 @@
           <a:p>
             <a:fld id="{1D8BD707-D9CF-40AE-B4C6-C98DA3205C09}" type="datetimeFigureOut">
               <a:rPr lang="en-US"/>
-              <a:t>11/27/24</a:t>
+              <a:t>1/12/2025</a:t>
             </a:fld>
             <a:endParaRPr lang="en-US"/>
           </a:p>
@@ -872,7 +872,7 @@
           <a:p>
             <a:fld id="{1D8BD707-D9CF-40AE-B4C6-C98DA3205C09}" type="datetimeFigureOut">
               <a:rPr lang="en-US"/>
-              <a:t>11/27/24</a:t>
+              <a:t>1/12/2025</a:t>
             </a:fld>
             <a:endParaRPr lang="en-US"/>
           </a:p>
@@ -1095,7 +1095,7 @@
           <a:p>
             <a:fld id="{1D8BD707-D9CF-40AE-B4C6-C98DA3205C09}" type="datetimeFigureOut">
               <a:rPr lang="en-US"/>
-              <a:t>11/27/24</a:t>
+              <a:t>1/12/2025</a:t>
             </a:fld>
             <a:endParaRPr lang="en-US"/>
           </a:p>
@@ -1522,7 +1522,7 @@
           <p:nvPr/>
         </p:nvPicPr>
         <p:blipFill>
-          <a:blip r:embed="rId3">
+          <a:blip r:embed="rId3" cstate="print">
             <a:extLst>
               <a:ext uri="{28A0092B-C50C-407E-A947-70E740481C1C}">
                 <a14:useLocalDpi xmlns:a14="http://schemas.microsoft.com/office/drawing/2010/main" val="0"/>
@@ -1618,7 +1618,7 @@
           <p:nvPr/>
         </p:nvPicPr>
         <p:blipFill>
-          <a:blip r:embed="rId4">
+          <a:blip r:embed="rId4" cstate="print">
             <a:extLst>
               <a:ext uri="{28A0092B-C50C-407E-A947-70E740481C1C}">
                 <a14:useLocalDpi xmlns:a14="http://schemas.microsoft.com/office/drawing/2010/main" val="0"/>
@@ -3154,7 +3154,7 @@
           <p:nvPr/>
         </p:nvPicPr>
         <p:blipFill>
-          <a:blip r:embed="rId2">
+          <a:blip r:embed="rId2" cstate="print">
             <a:extLst>
               <a:ext uri="{28A0092B-C50C-407E-A947-70E740481C1C}">
                 <a14:useLocalDpi xmlns:a14="http://schemas.microsoft.com/office/drawing/2010/main" val="0"/>
@@ -3327,8 +3327,8 @@
         </p:nvSpPr>
         <p:spPr>
           <a:xfrm>
-            <a:off x="1987550" y="3030038"/>
-            <a:ext cx="13716000" cy="1997982"/>
+            <a:off x="2292350" y="2549718"/>
+            <a:ext cx="13716000" cy="7817524"/>
           </a:xfrm>
           <a:prstGeom prst="rect">
             <a:avLst/>
@@ -3351,16 +3351,250 @@
             </a:lvl1pPr>
           </a:lstStyle>
           <a:p>
-            <a:pPr marL="469900" marR="5080" indent="-457200">
+            <a:pPr marL="12700" marR="5080">
               <a:spcBef>
                 <a:spcPts val="459"/>
               </a:spcBef>
-              <a:buFont typeface="Arial" panose="020B0604020202020204" pitchFamily="34" charset="0"/>
-              <a:buChar char="•"/>
             </a:pPr>
             <a:r>
-              <a:rPr lang="en-GB" sz="9600" spc="290" dirty="0"/>
-              <a:t>In progress</a:t>
+              <a:rPr lang="en-GB" spc="220" dirty="0"/>
+              <a:t>- </a:t>
+            </a:r>
+            <a:r>
+              <a:rPr lang="en-GB" strike="sngStrike" spc="220" dirty="0"/>
+              <a:t>Main menu</a:t>
+            </a:r>
+          </a:p>
+          <a:p>
+            <a:pPr marL="12700" marR="5080">
+              <a:spcBef>
+                <a:spcPts val="459"/>
+              </a:spcBef>
+            </a:pPr>
+            <a:r>
+              <a:rPr lang="en-GB" spc="220" dirty="0"/>
+              <a:t>- </a:t>
+            </a:r>
+            <a:r>
+              <a:rPr lang="en-GB" strike="sngStrike" spc="220" dirty="0"/>
+              <a:t>Hover effect</a:t>
+            </a:r>
+          </a:p>
+          <a:p>
+            <a:pPr marL="12700" marR="5080">
+              <a:spcBef>
+                <a:spcPts val="459"/>
+              </a:spcBef>
+            </a:pPr>
+            <a:r>
+              <a:rPr lang="en-GB" spc="220" dirty="0"/>
+              <a:t>- </a:t>
+            </a:r>
+            <a:r>
+              <a:rPr lang="en-GB" strike="sngStrike" spc="220" dirty="0" err="1"/>
+              <a:t>Registeres</a:t>
+            </a:r>
+            <a:r>
+              <a:rPr lang="en-GB" strike="sngStrike" spc="220" dirty="0"/>
+              <a:t> only one button click </a:t>
+            </a:r>
+          </a:p>
+          <a:p>
+            <a:pPr marL="12700" marR="5080">
+              <a:spcBef>
+                <a:spcPts val="459"/>
+              </a:spcBef>
+            </a:pPr>
+            <a:r>
+              <a:rPr lang="en-GB" spc="220" dirty="0"/>
+              <a:t>- </a:t>
+            </a:r>
+            <a:r>
+              <a:rPr lang="en-GB" strike="sngStrike" spc="220" dirty="0"/>
+              <a:t>Lesson 1 &amp; Lesson 2 Menu</a:t>
+            </a:r>
+          </a:p>
+          <a:p>
+            <a:pPr marL="12700" marR="5080">
+              <a:spcBef>
+                <a:spcPts val="459"/>
+              </a:spcBef>
+            </a:pPr>
+            <a:r>
+              <a:rPr lang="en-GB" spc="220" dirty="0"/>
+              <a:t>- </a:t>
+            </a:r>
+            <a:r>
+              <a:rPr lang="en-GB" strike="sngStrike" spc="220" dirty="0"/>
+              <a:t>Vocabulary(</a:t>
+            </a:r>
+            <a:r>
+              <a:rPr lang="en-GB" strike="sngStrike" spc="220" dirty="0" err="1"/>
+              <a:t>svk</a:t>
+            </a:r>
+            <a:r>
+              <a:rPr lang="en-GB" strike="sngStrike" spc="220" dirty="0"/>
+              <a:t>-&gt;</a:t>
+            </a:r>
+            <a:r>
+              <a:rPr lang="en-GB" strike="sngStrike" spc="220" dirty="0" err="1"/>
+              <a:t>eng</a:t>
+            </a:r>
+            <a:r>
+              <a:rPr lang="en-GB" strike="sngStrike" spc="220" dirty="0"/>
+              <a:t>)</a:t>
+            </a:r>
+          </a:p>
+          <a:p>
+            <a:pPr marL="12700" marR="5080">
+              <a:spcBef>
+                <a:spcPts val="459"/>
+              </a:spcBef>
+            </a:pPr>
+            <a:r>
+              <a:rPr lang="en-GB" spc="220" dirty="0"/>
+              <a:t>- </a:t>
+            </a:r>
+            <a:r>
+              <a:rPr lang="en-GB" strike="sngStrike" spc="220" dirty="0"/>
+              <a:t>Reading(True/False)</a:t>
+            </a:r>
+          </a:p>
+          <a:p>
+            <a:pPr marL="12700" marR="5080">
+              <a:spcBef>
+                <a:spcPts val="459"/>
+              </a:spcBef>
+            </a:pPr>
+            <a:r>
+              <a:rPr lang="en-GB" spc="220" dirty="0"/>
+              <a:t>- </a:t>
+            </a:r>
+            <a:r>
+              <a:rPr lang="en-GB" strike="sngStrike" spc="220" dirty="0"/>
+              <a:t>Grammar(a/b/c)</a:t>
+            </a:r>
+          </a:p>
+          <a:p>
+            <a:pPr marL="12700" marR="5080">
+              <a:spcBef>
+                <a:spcPts val="459"/>
+              </a:spcBef>
+            </a:pPr>
+            <a:r>
+              <a:rPr lang="en-GB" spc="220" dirty="0"/>
+              <a:t>- </a:t>
+            </a:r>
+            <a:r>
+              <a:rPr lang="en-GB" strike="sngStrike" spc="220" dirty="0"/>
+              <a:t>“Sample” Texts</a:t>
+            </a:r>
+          </a:p>
+          <a:p>
+            <a:pPr marL="12700" marR="5080">
+              <a:spcBef>
+                <a:spcPts val="459"/>
+              </a:spcBef>
+            </a:pPr>
+            <a:r>
+              <a:rPr lang="en-GB" spc="220" dirty="0"/>
+              <a:t>- </a:t>
+            </a:r>
+            <a:r>
+              <a:rPr lang="en-GB" strike="sngStrike" spc="220" dirty="0"/>
+              <a:t>Check(button + logic)</a:t>
+            </a:r>
+          </a:p>
+          <a:p>
+            <a:pPr marL="12700" marR="5080">
+              <a:spcBef>
+                <a:spcPts val="459"/>
+              </a:spcBef>
+            </a:pPr>
+            <a:r>
+              <a:rPr lang="en-GB" spc="220" dirty="0"/>
+              <a:t>- </a:t>
+            </a:r>
+            <a:r>
+              <a:rPr lang="en-GB" strike="sngStrike" spc="220" dirty="0"/>
+              <a:t>Show Correct/Incorrect</a:t>
+            </a:r>
+          </a:p>
+          <a:p>
+            <a:pPr marL="12700" marR="5080">
+              <a:spcBef>
+                <a:spcPts val="459"/>
+              </a:spcBef>
+            </a:pPr>
+            <a:r>
+              <a:rPr lang="en-GB" spc="220" dirty="0"/>
+              <a:t>- </a:t>
+            </a:r>
+            <a:r>
+              <a:rPr lang="en-GB" strike="sngStrike" spc="220" dirty="0"/>
+              <a:t>Better </a:t>
+            </a:r>
+            <a:r>
+              <a:rPr lang="en-GB" strike="sngStrike" spc="220" dirty="0" err="1"/>
+              <a:t>color</a:t>
+            </a:r>
+            <a:r>
+              <a:rPr lang="en-GB" strike="sngStrike" spc="220" dirty="0"/>
+              <a:t> </a:t>
+            </a:r>
+            <a:r>
+              <a:rPr lang="en-GB" strike="sngStrike" spc="220" dirty="0" err="1"/>
+              <a:t>pallete</a:t>
+            </a:r>
+            <a:endParaRPr lang="en-GB" strike="sngStrike" spc="220" dirty="0"/>
+          </a:p>
+          <a:p>
+            <a:pPr marL="12700" marR="5080">
+              <a:spcBef>
+                <a:spcPts val="459"/>
+              </a:spcBef>
+            </a:pPr>
+            <a:r>
+              <a:rPr lang="en-GB" spc="220" dirty="0"/>
+              <a:t>- </a:t>
+            </a:r>
+            <a:r>
+              <a:rPr lang="en-GB" strike="sngStrike" spc="220" dirty="0"/>
+              <a:t>“New option selected” – new </a:t>
+            </a:r>
+            <a:r>
+              <a:rPr lang="en-GB" strike="sngStrike" spc="220" dirty="0" err="1"/>
+              <a:t>color</a:t>
+            </a:r>
+            <a:r>
+              <a:rPr lang="en-GB" strike="sngStrike" spc="220" dirty="0"/>
+              <a:t> showing it was changed</a:t>
+            </a:r>
+          </a:p>
+          <a:p>
+            <a:pPr marL="12700" marR="5080">
+              <a:spcBef>
+                <a:spcPts val="459"/>
+              </a:spcBef>
+            </a:pPr>
+            <a:r>
+              <a:rPr lang="en-GB" spc="220" dirty="0"/>
+              <a:t>- </a:t>
+            </a:r>
+            <a:r>
+              <a:rPr lang="en-GB" strike="sngStrike" spc="220" dirty="0"/>
+              <a:t>Score counter(top right)</a:t>
+            </a:r>
+          </a:p>
+          <a:p>
+            <a:pPr marL="12700" marR="5080">
+              <a:spcBef>
+                <a:spcPts val="459"/>
+              </a:spcBef>
+            </a:pPr>
+            <a:r>
+              <a:rPr lang="en-GB" spc="220" dirty="0"/>
+              <a:t>…</a:t>
             </a:r>
             <a:br>
               <a:rPr lang="en-GB" spc="220" dirty="0"/>

--- a/Tester.pptx
+++ b/Tester.pptx
@@ -10,6 +10,11 @@
     <p:sldId id="257" r:id="rId4"/>
     <p:sldId id="258" r:id="rId5"/>
     <p:sldId id="261" r:id="rId6"/>
+    <p:sldId id="262" r:id="rId7"/>
+    <p:sldId id="263" r:id="rId8"/>
+    <p:sldId id="264" r:id="rId9"/>
+    <p:sldId id="265" r:id="rId10"/>
+    <p:sldId id="266" r:id="rId11"/>
   </p:sldIdLst>
   <p:sldSz cx="18300700" cy="10299700"/>
   <p:notesSz cx="18300700" cy="10299700"/>
@@ -186,7 +191,7 @@
           <a:p>
             <a:fld id="{1D8BD707-D9CF-40AE-B4C6-C98DA3205C09}" type="datetimeFigureOut">
               <a:rPr lang="en-US"/>
-              <a:t>1/12/2025</a:t>
+              <a:t>1/20/2025</a:t>
             </a:fld>
             <a:endParaRPr lang="en-US"/>
           </a:p>
@@ -361,7 +366,7 @@
           <a:p>
             <a:fld id="{1D8BD707-D9CF-40AE-B4C6-C98DA3205C09}" type="datetimeFigureOut">
               <a:rPr lang="en-US"/>
-              <a:t>1/12/2025</a:t>
+              <a:t>1/20/2025</a:t>
             </a:fld>
             <a:endParaRPr lang="en-US"/>
           </a:p>
@@ -575,7 +580,7 @@
           <a:p>
             <a:fld id="{1D8BD707-D9CF-40AE-B4C6-C98DA3205C09}" type="datetimeFigureOut">
               <a:rPr lang="en-US"/>
-              <a:t>1/12/2025</a:t>
+              <a:t>1/20/2025</a:t>
             </a:fld>
             <a:endParaRPr lang="en-US"/>
           </a:p>
@@ -753,7 +758,7 @@
           <a:p>
             <a:fld id="{1D8BD707-D9CF-40AE-B4C6-C98DA3205C09}" type="datetimeFigureOut">
               <a:rPr lang="en-US"/>
-              <a:t>1/12/2025</a:t>
+              <a:t>1/20/2025</a:t>
             </a:fld>
             <a:endParaRPr lang="en-US"/>
           </a:p>
@@ -872,7 +877,7 @@
           <a:p>
             <a:fld id="{1D8BD707-D9CF-40AE-B4C6-C98DA3205C09}" type="datetimeFigureOut">
               <a:rPr lang="en-US"/>
-              <a:t>1/12/2025</a:t>
+              <a:t>1/20/2025</a:t>
             </a:fld>
             <a:endParaRPr lang="en-US"/>
           </a:p>
@@ -1095,7 +1100,7 @@
           <a:p>
             <a:fld id="{1D8BD707-D9CF-40AE-B4C6-C98DA3205C09}" type="datetimeFigureOut">
               <a:rPr lang="en-US"/>
-              <a:t>1/12/2025</a:t>
+              <a:t>1/20/2025</a:t>
             </a:fld>
             <a:endParaRPr lang="en-US"/>
           </a:p>
@@ -1741,6 +1746,130 @@
 </p:sld>
 </file>
 
+<file path=ppt/slides/slide10.xml><?xml version="1.0" encoding="utf-8"?>
+<p:sld xmlns:a="http://schemas.openxmlformats.org/drawingml/2006/main" xmlns:r="http://schemas.openxmlformats.org/officeDocument/2006/relationships" xmlns:p="http://schemas.openxmlformats.org/presentationml/2006/main">
+  <p:cSld>
+    <p:spTree>
+      <p:nvGrpSpPr>
+        <p:cNvPr id="1" name=""/>
+        <p:cNvGrpSpPr/>
+        <p:nvPr/>
+      </p:nvGrpSpPr>
+      <p:grpSpPr>
+        <a:xfrm>
+          <a:off x="0" y="0"/>
+          <a:ext cx="0" cy="0"/>
+          <a:chOff x="0" y="0"/>
+          <a:chExt cx="0" cy="0"/>
+        </a:xfrm>
+      </p:grpSpPr>
+      <p:sp>
+        <p:nvSpPr>
+          <p:cNvPr id="4" name="object 4">
+            <a:extLst>
+              <a:ext uri="{FF2B5EF4-FFF2-40B4-BE49-F238E27FC236}">
+                <a16:creationId xmlns:a16="http://schemas.microsoft.com/office/drawing/2014/main" id="{E866073C-151A-4BA6-9665-6B341113BAD2}"/>
+              </a:ext>
+            </a:extLst>
+          </p:cNvPr>
+          <p:cNvSpPr/>
+          <p:nvPr/>
+        </p:nvSpPr>
+        <p:spPr>
+          <a:xfrm>
+            <a:off x="0" y="7362"/>
+            <a:ext cx="18370550" cy="10280015"/>
+          </a:xfrm>
+          <a:custGeom>
+            <a:avLst/>
+            <a:gdLst/>
+            <a:ahLst/>
+            <a:cxnLst/>
+            <a:rect l="l" t="t" r="r" b="b"/>
+            <a:pathLst>
+              <a:path w="8424545" h="10280015">
+                <a:moveTo>
+                  <a:pt x="0" y="0"/>
+                </a:moveTo>
+                <a:lnTo>
+                  <a:pt x="8424454" y="0"/>
+                </a:lnTo>
+                <a:lnTo>
+                  <a:pt x="8424454" y="10279637"/>
+                </a:lnTo>
+                <a:lnTo>
+                  <a:pt x="0" y="10279637"/>
+                </a:lnTo>
+                <a:lnTo>
+                  <a:pt x="0" y="0"/>
+                </a:lnTo>
+                <a:close/>
+              </a:path>
+            </a:pathLst>
+          </a:custGeom>
+          <a:solidFill>
+            <a:srgbClr val="000000"/>
+          </a:solidFill>
+        </p:spPr>
+        <p:txBody>
+          <a:bodyPr wrap="square" lIns="0" tIns="0" rIns="0" bIns="0" rtlCol="0"/>
+          <a:lstStyle/>
+          <a:p>
+            <a:endParaRPr/>
+          </a:p>
+        </p:txBody>
+      </p:sp>
+      <p:sp>
+        <p:nvSpPr>
+          <p:cNvPr id="2" name="Nadpis 1">
+            <a:extLst>
+              <a:ext uri="{FF2B5EF4-FFF2-40B4-BE49-F238E27FC236}">
+                <a16:creationId xmlns:a16="http://schemas.microsoft.com/office/drawing/2014/main" id="{47867E68-B1AF-0E64-62D4-7E0278C65E37}"/>
+              </a:ext>
+            </a:extLst>
+          </p:cNvPr>
+          <p:cNvSpPr>
+            <a:spLocks noGrp="1"/>
+          </p:cNvSpPr>
+          <p:nvPr>
+            <p:ph type="title"/>
+          </p:nvPr>
+        </p:nvSpPr>
+        <p:spPr>
+          <a:xfrm>
+            <a:off x="1302797" y="4243162"/>
+            <a:ext cx="14935200" cy="1477328"/>
+          </a:xfrm>
+        </p:spPr>
+        <p:txBody>
+          <a:bodyPr/>
+          <a:lstStyle/>
+          <a:p>
+            <a:pPr algn="ctr"/>
+            <a:r>
+              <a:rPr lang="sk-SK" sz="9600" dirty="0">
+                <a:solidFill>
+                  <a:schemeClr val="bg1"/>
+                </a:solidFill>
+              </a:rPr>
+              <a:t>ĎAKUJEME ZA POZORNOSŤ</a:t>
+            </a:r>
+          </a:p>
+        </p:txBody>
+      </p:sp>
+    </p:spTree>
+    <p:extLst>
+      <p:ext uri="{BB962C8B-B14F-4D97-AF65-F5344CB8AC3E}">
+        <p14:creationId xmlns:p14="http://schemas.microsoft.com/office/powerpoint/2010/main" val="2908632547"/>
+      </p:ext>
+    </p:extLst>
+  </p:cSld>
+  <p:clrMapOvr>
+    <a:masterClrMapping/>
+  </p:clrMapOvr>
+</p:sld>
+</file>
+
 <file path=ppt/slides/slide2.xml><?xml version="1.0" encoding="utf-8"?>
 <p:sld xmlns:a="http://schemas.openxmlformats.org/drawingml/2006/main" xmlns:r="http://schemas.openxmlformats.org/officeDocument/2006/relationships" xmlns:p="http://schemas.openxmlformats.org/presentationml/2006/main">
   <p:cSld>
@@ -2182,7 +2311,7 @@
         <p:spPr>
           <a:xfrm>
             <a:off x="955230" y="3676481"/>
-            <a:ext cx="6432550" cy="3748590"/>
+            <a:ext cx="6432550" cy="2816027"/>
           </a:xfrm>
           <a:prstGeom prst="rect">
             <a:avLst/>
@@ -2340,7 +2469,7 @@
                 <a:latin typeface="Calibri"/>
                 <a:cs typeface="Calibri"/>
               </a:rPr>
-              <a:t>. Je </a:t>
+              <a:t>. Vie </a:t>
             </a:r>
             <a:r>
               <a:rPr lang="en-GB" sz="3000" spc="280" dirty="0" err="1">
@@ -2350,127 +2479,7 @@
                 <a:latin typeface="Calibri"/>
                 <a:cs typeface="Calibri"/>
               </a:rPr>
-              <a:t>schopná</a:t>
-            </a:r>
-            <a:r>
-              <a:rPr lang="en-GB" sz="3000" spc="280" dirty="0">
-                <a:solidFill>
-                  <a:srgbClr val="FFFFFF"/>
-                </a:solidFill>
-                <a:latin typeface="Calibri"/>
-                <a:cs typeface="Calibri"/>
-              </a:rPr>
-              <a:t> </a:t>
-            </a:r>
-            <a:r>
-              <a:rPr lang="en-GB" sz="3000" spc="280" dirty="0" err="1">
-                <a:solidFill>
-                  <a:srgbClr val="FFFFFF"/>
-                </a:solidFill>
-                <a:latin typeface="Calibri"/>
-                <a:cs typeface="Calibri"/>
-              </a:rPr>
-              <a:t>spracovať</a:t>
-            </a:r>
-            <a:r>
-              <a:rPr lang="en-GB" sz="3000" spc="280" dirty="0">
-                <a:solidFill>
-                  <a:srgbClr val="FFFFFF"/>
-                </a:solidFill>
-                <a:latin typeface="Calibri"/>
-                <a:cs typeface="Calibri"/>
-              </a:rPr>
-              <a:t> </a:t>
-            </a:r>
-            <a:r>
-              <a:rPr lang="en-GB" sz="3000" spc="280" dirty="0" err="1">
-                <a:solidFill>
-                  <a:srgbClr val="FFFFFF"/>
-                </a:solidFill>
-                <a:latin typeface="Calibri"/>
-                <a:cs typeface="Calibri"/>
-              </a:rPr>
-              <a:t>súbor</a:t>
-            </a:r>
-            <a:r>
-              <a:rPr lang="en-GB" sz="3000" spc="280" dirty="0">
-                <a:solidFill>
-                  <a:srgbClr val="FFFFFF"/>
-                </a:solidFill>
-                <a:latin typeface="Calibri"/>
-                <a:cs typeface="Calibri"/>
-              </a:rPr>
-              <a:t> </a:t>
-            </a:r>
-            <a:r>
-              <a:rPr lang="en-GB" sz="3000" spc="280" dirty="0" err="1">
-                <a:solidFill>
-                  <a:srgbClr val="FFFFFF"/>
-                </a:solidFill>
-                <a:latin typeface="Calibri"/>
-                <a:cs typeface="Calibri"/>
-              </a:rPr>
-              <a:t>určitej</a:t>
-            </a:r>
-            <a:r>
-              <a:rPr lang="en-GB" sz="3000" spc="280" dirty="0">
-                <a:solidFill>
-                  <a:srgbClr val="FFFFFF"/>
-                </a:solidFill>
-                <a:latin typeface="Calibri"/>
-                <a:cs typeface="Calibri"/>
-              </a:rPr>
-              <a:t> </a:t>
-            </a:r>
-            <a:r>
-              <a:rPr lang="en-GB" sz="3000" spc="280" dirty="0" err="1">
-                <a:solidFill>
-                  <a:srgbClr val="FFFFFF"/>
-                </a:solidFill>
-                <a:latin typeface="Calibri"/>
-                <a:cs typeface="Calibri"/>
-              </a:rPr>
-              <a:t>štruktúry</a:t>
-            </a:r>
-            <a:r>
-              <a:rPr lang="en-GB" sz="3000" spc="280" dirty="0">
-                <a:solidFill>
-                  <a:srgbClr val="FFFFFF"/>
-                </a:solidFill>
-                <a:latin typeface="Calibri"/>
-                <a:cs typeface="Calibri"/>
-              </a:rPr>
-              <a:t> a </a:t>
-            </a:r>
-            <a:r>
-              <a:rPr lang="en-GB" sz="3000" spc="280" dirty="0" err="1">
-                <a:solidFill>
-                  <a:srgbClr val="FFFFFF"/>
-                </a:solidFill>
-                <a:latin typeface="Calibri"/>
-                <a:cs typeface="Calibri"/>
-              </a:rPr>
               <a:t>vytvoriť</a:t>
-            </a:r>
-            <a:r>
-              <a:rPr lang="en-GB" sz="3000" spc="280" dirty="0">
-                <a:solidFill>
-                  <a:srgbClr val="FFFFFF"/>
-                </a:solidFill>
-                <a:latin typeface="Calibri"/>
-                <a:cs typeface="Calibri"/>
-              </a:rPr>
-              <a:t> z </a:t>
-            </a:r>
-            <a:r>
-              <a:rPr lang="en-GB" sz="3000" spc="280" dirty="0" err="1">
-                <a:solidFill>
-                  <a:srgbClr val="FFFFFF"/>
-                </a:solidFill>
-                <a:latin typeface="Calibri"/>
-                <a:cs typeface="Calibri"/>
-              </a:rPr>
-              <a:t>neho</a:t>
             </a:r>
             <a:r>
               <a:rPr lang="en-GB" sz="3000" spc="280" dirty="0">
@@ -2647,7 +2656,7 @@
                 <a:latin typeface="Calibri"/>
                 <a:cs typeface="Calibri"/>
               </a:rPr>
-              <a:t> </a:t>
+              <a:t>. </a:t>
             </a:r>
             <a:r>
               <a:rPr lang="en-GB" sz="3000" spc="280" dirty="0" err="1">
@@ -3607,6 +3616,605 @@
     <p:extLst>
       <p:ext uri="{BB962C8B-B14F-4D97-AF65-F5344CB8AC3E}">
         <p14:creationId xmlns:p14="http://schemas.microsoft.com/office/powerpoint/2010/main" val="1143404904"/>
+      </p:ext>
+    </p:extLst>
+  </p:cSld>
+  <p:clrMapOvr>
+    <a:masterClrMapping/>
+  </p:clrMapOvr>
+</p:sld>
+</file>
+
+<file path=ppt/slides/slide6.xml><?xml version="1.0" encoding="utf-8"?>
+<p:sld xmlns:a="http://schemas.openxmlformats.org/drawingml/2006/main" xmlns:r="http://schemas.openxmlformats.org/officeDocument/2006/relationships" xmlns:p="http://schemas.openxmlformats.org/presentationml/2006/main">
+  <p:cSld>
+    <p:spTree>
+      <p:nvGrpSpPr>
+        <p:cNvPr id="1" name=""/>
+        <p:cNvGrpSpPr/>
+        <p:nvPr/>
+      </p:nvGrpSpPr>
+      <p:grpSpPr>
+        <a:xfrm>
+          <a:off x="0" y="0"/>
+          <a:ext cx="0" cy="0"/>
+          <a:chOff x="0" y="0"/>
+          <a:chExt cx="0" cy="0"/>
+        </a:xfrm>
+      </p:grpSpPr>
+      <p:sp>
+        <p:nvSpPr>
+          <p:cNvPr id="2" name="Nadpis 1">
+            <a:extLst>
+              <a:ext uri="{FF2B5EF4-FFF2-40B4-BE49-F238E27FC236}">
+                <a16:creationId xmlns:a16="http://schemas.microsoft.com/office/drawing/2014/main" id="{189BD369-F4A0-89EE-5962-C751EC978C70}"/>
+              </a:ext>
+            </a:extLst>
+          </p:cNvPr>
+          <p:cNvSpPr>
+            <a:spLocks noGrp="1"/>
+          </p:cNvSpPr>
+          <p:nvPr>
+            <p:ph type="title"/>
+          </p:nvPr>
+        </p:nvSpPr>
+        <p:spPr>
+          <a:xfrm>
+            <a:off x="4633775" y="1203397"/>
+            <a:ext cx="8282773" cy="461665"/>
+          </a:xfrm>
+        </p:spPr>
+        <p:txBody>
+          <a:bodyPr/>
+          <a:lstStyle/>
+          <a:p>
+            <a:pPr algn="ctr"/>
+            <a:r>
+              <a:rPr lang="sk-SK" dirty="0"/>
+              <a:t>Hlavná štruktúra menu</a:t>
+            </a:r>
+          </a:p>
+        </p:txBody>
+      </p:sp>
+      <p:sp>
+        <p:nvSpPr>
+          <p:cNvPr id="3" name="Zástupný text 2">
+            <a:extLst>
+              <a:ext uri="{FF2B5EF4-FFF2-40B4-BE49-F238E27FC236}">
+                <a16:creationId xmlns:a16="http://schemas.microsoft.com/office/drawing/2014/main" id="{8BDE0F59-1C9B-7555-6F1D-163974DDA4FF}"/>
+              </a:ext>
+            </a:extLst>
+          </p:cNvPr>
+          <p:cNvSpPr>
+            <a:spLocks noGrp="1"/>
+          </p:cNvSpPr>
+          <p:nvPr>
+            <p:ph type="body" idx="1"/>
+          </p:nvPr>
+        </p:nvSpPr>
+        <p:spPr/>
+        <p:txBody>
+          <a:bodyPr/>
+          <a:lstStyle/>
+          <a:p>
+            <a:endParaRPr lang="sk-SK"/>
+          </a:p>
+        </p:txBody>
+      </p:sp>
+      <p:pic>
+        <p:nvPicPr>
+          <p:cNvPr id="5" name="Obrázok 4">
+            <a:extLst>
+              <a:ext uri="{FF2B5EF4-FFF2-40B4-BE49-F238E27FC236}">
+                <a16:creationId xmlns:a16="http://schemas.microsoft.com/office/drawing/2014/main" id="{FA744742-5452-924E-6AB0-217536739671}"/>
+              </a:ext>
+            </a:extLst>
+          </p:cNvPr>
+          <p:cNvPicPr>
+            <a:picLocks noChangeAspect="1"/>
+          </p:cNvPicPr>
+          <p:nvPr/>
+        </p:nvPicPr>
+        <p:blipFill>
+          <a:blip r:embed="rId2"/>
+          <a:stretch>
+            <a:fillRect/>
+          </a:stretch>
+        </p:blipFill>
+        <p:spPr>
+          <a:xfrm>
+            <a:off x="9683750" y="2168109"/>
+            <a:ext cx="7592485" cy="5963482"/>
+          </a:xfrm>
+          <a:prstGeom prst="rect">
+            <a:avLst/>
+          </a:prstGeom>
+        </p:spPr>
+      </p:pic>
+      <p:pic>
+        <p:nvPicPr>
+          <p:cNvPr id="7" name="Obrázok 6">
+            <a:extLst>
+              <a:ext uri="{FF2B5EF4-FFF2-40B4-BE49-F238E27FC236}">
+                <a16:creationId xmlns:a16="http://schemas.microsoft.com/office/drawing/2014/main" id="{D79D9DE6-AEE5-C1BD-CE13-0644DA9487CE}"/>
+              </a:ext>
+            </a:extLst>
+          </p:cNvPr>
+          <p:cNvPicPr>
+            <a:picLocks noChangeAspect="1"/>
+          </p:cNvPicPr>
+          <p:nvPr/>
+        </p:nvPicPr>
+        <p:blipFill>
+          <a:blip r:embed="rId3"/>
+          <a:stretch>
+            <a:fillRect/>
+          </a:stretch>
+        </p:blipFill>
+        <p:spPr>
+          <a:xfrm>
+            <a:off x="662050" y="2049067"/>
+            <a:ext cx="8488300" cy="6201565"/>
+          </a:xfrm>
+          <a:prstGeom prst="rect">
+            <a:avLst/>
+          </a:prstGeom>
+        </p:spPr>
+      </p:pic>
+    </p:spTree>
+    <p:extLst>
+      <p:ext uri="{BB962C8B-B14F-4D97-AF65-F5344CB8AC3E}">
+        <p14:creationId xmlns:p14="http://schemas.microsoft.com/office/powerpoint/2010/main" val="4287727783"/>
+      </p:ext>
+    </p:extLst>
+  </p:cSld>
+  <p:clrMapOvr>
+    <a:masterClrMapping/>
+  </p:clrMapOvr>
+</p:sld>
+</file>
+
+<file path=ppt/slides/slide7.xml><?xml version="1.0" encoding="utf-8"?>
+<p:sld xmlns:a="http://schemas.openxmlformats.org/drawingml/2006/main" xmlns:r="http://schemas.openxmlformats.org/officeDocument/2006/relationships" xmlns:p="http://schemas.openxmlformats.org/presentationml/2006/main">
+  <p:cSld>
+    <p:spTree>
+      <p:nvGrpSpPr>
+        <p:cNvPr id="1" name=""/>
+        <p:cNvGrpSpPr/>
+        <p:nvPr/>
+      </p:nvGrpSpPr>
+      <p:grpSpPr>
+        <a:xfrm>
+          <a:off x="0" y="0"/>
+          <a:ext cx="0" cy="0"/>
+          <a:chOff x="0" y="0"/>
+          <a:chExt cx="0" cy="0"/>
+        </a:xfrm>
+      </p:grpSpPr>
+      <p:sp>
+        <p:nvSpPr>
+          <p:cNvPr id="2" name="Nadpis 1">
+            <a:extLst>
+              <a:ext uri="{FF2B5EF4-FFF2-40B4-BE49-F238E27FC236}">
+                <a16:creationId xmlns:a16="http://schemas.microsoft.com/office/drawing/2014/main" id="{13603227-B5C7-77D5-F703-C5FB6B6D28E7}"/>
+              </a:ext>
+            </a:extLst>
+          </p:cNvPr>
+          <p:cNvSpPr>
+            <a:spLocks noGrp="1"/>
+          </p:cNvSpPr>
+          <p:nvPr>
+            <p:ph type="title"/>
+          </p:nvPr>
+        </p:nvSpPr>
+        <p:spPr>
+          <a:xfrm>
+            <a:off x="5008963" y="956637"/>
+            <a:ext cx="8282773" cy="461665"/>
+          </a:xfrm>
+        </p:spPr>
+        <p:txBody>
+          <a:bodyPr/>
+          <a:lstStyle/>
+          <a:p>
+            <a:pPr algn="ctr"/>
+            <a:r>
+              <a:rPr lang="en-CA" dirty="0"/>
+              <a:t>Vocabulary</a:t>
+            </a:r>
+            <a:endParaRPr lang="sk-SK" dirty="0"/>
+          </a:p>
+        </p:txBody>
+      </p:sp>
+      <p:sp>
+        <p:nvSpPr>
+          <p:cNvPr id="3" name="Zástupný text 2">
+            <a:extLst>
+              <a:ext uri="{FF2B5EF4-FFF2-40B4-BE49-F238E27FC236}">
+                <a16:creationId xmlns:a16="http://schemas.microsoft.com/office/drawing/2014/main" id="{A37DC605-947C-85DC-61E5-C7E2C22D9974}"/>
+              </a:ext>
+            </a:extLst>
+          </p:cNvPr>
+          <p:cNvSpPr>
+            <a:spLocks noGrp="1"/>
+          </p:cNvSpPr>
+          <p:nvPr>
+            <p:ph type="body" idx="1"/>
+          </p:nvPr>
+        </p:nvSpPr>
+        <p:spPr/>
+        <p:txBody>
+          <a:bodyPr/>
+          <a:lstStyle/>
+          <a:p>
+            <a:endParaRPr lang="sk-SK"/>
+          </a:p>
+        </p:txBody>
+      </p:sp>
+      <p:pic>
+        <p:nvPicPr>
+          <p:cNvPr id="5" name="Obrázok 4">
+            <a:extLst>
+              <a:ext uri="{FF2B5EF4-FFF2-40B4-BE49-F238E27FC236}">
+                <a16:creationId xmlns:a16="http://schemas.microsoft.com/office/drawing/2014/main" id="{42D0435A-2447-A8B2-E80B-2A1ECA1EC5E8}"/>
+              </a:ext>
+            </a:extLst>
+          </p:cNvPr>
+          <p:cNvPicPr>
+            <a:picLocks noChangeAspect="1"/>
+          </p:cNvPicPr>
+          <p:nvPr/>
+        </p:nvPicPr>
+        <p:blipFill>
+          <a:blip r:embed="rId2"/>
+          <a:stretch>
+            <a:fillRect/>
+          </a:stretch>
+        </p:blipFill>
+        <p:spPr>
+          <a:xfrm>
+            <a:off x="9705106" y="2158582"/>
+            <a:ext cx="7611537" cy="5982535"/>
+          </a:xfrm>
+          <a:prstGeom prst="rect">
+            <a:avLst/>
+          </a:prstGeom>
+        </p:spPr>
+      </p:pic>
+      <p:pic>
+        <p:nvPicPr>
+          <p:cNvPr id="7" name="Obrázok 6">
+            <a:extLst>
+              <a:ext uri="{FF2B5EF4-FFF2-40B4-BE49-F238E27FC236}">
+                <a16:creationId xmlns:a16="http://schemas.microsoft.com/office/drawing/2014/main" id="{BC8C6FF7-72DA-2B54-C838-C19AD6EBD778}"/>
+              </a:ext>
+            </a:extLst>
+          </p:cNvPr>
+          <p:cNvPicPr>
+            <a:picLocks noChangeAspect="1"/>
+          </p:cNvPicPr>
+          <p:nvPr/>
+        </p:nvPicPr>
+        <p:blipFill>
+          <a:blip r:embed="rId3"/>
+          <a:stretch>
+            <a:fillRect/>
+          </a:stretch>
+        </p:blipFill>
+        <p:spPr>
+          <a:xfrm>
+            <a:off x="634759" y="1969983"/>
+            <a:ext cx="7960836" cy="6359732"/>
+          </a:xfrm>
+          <a:prstGeom prst="rect">
+            <a:avLst/>
+          </a:prstGeom>
+        </p:spPr>
+      </p:pic>
+    </p:spTree>
+    <p:extLst>
+      <p:ext uri="{BB962C8B-B14F-4D97-AF65-F5344CB8AC3E}">
+        <p14:creationId xmlns:p14="http://schemas.microsoft.com/office/powerpoint/2010/main" val="2107976127"/>
+      </p:ext>
+    </p:extLst>
+  </p:cSld>
+  <p:clrMapOvr>
+    <a:masterClrMapping/>
+  </p:clrMapOvr>
+</p:sld>
+</file>
+
+<file path=ppt/slides/slide8.xml><?xml version="1.0" encoding="utf-8"?>
+<p:sld xmlns:a="http://schemas.openxmlformats.org/drawingml/2006/main" xmlns:r="http://schemas.openxmlformats.org/officeDocument/2006/relationships" xmlns:p="http://schemas.openxmlformats.org/presentationml/2006/main">
+  <p:cSld>
+    <p:spTree>
+      <p:nvGrpSpPr>
+        <p:cNvPr id="1" name=""/>
+        <p:cNvGrpSpPr/>
+        <p:nvPr/>
+      </p:nvGrpSpPr>
+      <p:grpSpPr>
+        <a:xfrm>
+          <a:off x="0" y="0"/>
+          <a:ext cx="0" cy="0"/>
+          <a:chOff x="0" y="0"/>
+          <a:chExt cx="0" cy="0"/>
+        </a:xfrm>
+      </p:grpSpPr>
+      <p:sp>
+        <p:nvSpPr>
+          <p:cNvPr id="2" name="Nadpis 1">
+            <a:extLst>
+              <a:ext uri="{FF2B5EF4-FFF2-40B4-BE49-F238E27FC236}">
+                <a16:creationId xmlns:a16="http://schemas.microsoft.com/office/drawing/2014/main" id="{F2C58286-FAEE-6102-EFB2-2D58C57ADF08}"/>
+              </a:ext>
+            </a:extLst>
+          </p:cNvPr>
+          <p:cNvSpPr>
+            <a:spLocks noGrp="1"/>
+          </p:cNvSpPr>
+          <p:nvPr>
+            <p:ph type="title"/>
+          </p:nvPr>
+        </p:nvSpPr>
+        <p:spPr>
+          <a:xfrm>
+            <a:off x="4629010" y="882944"/>
+            <a:ext cx="8282773" cy="461665"/>
+          </a:xfrm>
+        </p:spPr>
+        <p:txBody>
+          <a:bodyPr/>
+          <a:lstStyle/>
+          <a:p>
+            <a:pPr algn="ctr"/>
+            <a:r>
+              <a:rPr lang="en-CA" dirty="0"/>
+              <a:t>Reading</a:t>
+            </a:r>
+            <a:endParaRPr lang="sk-SK" dirty="0"/>
+          </a:p>
+        </p:txBody>
+      </p:sp>
+      <p:sp>
+        <p:nvSpPr>
+          <p:cNvPr id="3" name="Zástupný text 2">
+            <a:extLst>
+              <a:ext uri="{FF2B5EF4-FFF2-40B4-BE49-F238E27FC236}">
+                <a16:creationId xmlns:a16="http://schemas.microsoft.com/office/drawing/2014/main" id="{0DBE6C2D-4432-BC98-0881-356756D8E3AE}"/>
+              </a:ext>
+            </a:extLst>
+          </p:cNvPr>
+          <p:cNvSpPr>
+            <a:spLocks noGrp="1"/>
+          </p:cNvSpPr>
+          <p:nvPr>
+            <p:ph type="body" idx="1"/>
+          </p:nvPr>
+        </p:nvSpPr>
+        <p:spPr/>
+        <p:txBody>
+          <a:bodyPr/>
+          <a:lstStyle/>
+          <a:p>
+            <a:endParaRPr lang="sk-SK"/>
+          </a:p>
+        </p:txBody>
+      </p:sp>
+      <p:pic>
+        <p:nvPicPr>
+          <p:cNvPr id="5" name="Obrázok 4">
+            <a:extLst>
+              <a:ext uri="{FF2B5EF4-FFF2-40B4-BE49-F238E27FC236}">
+                <a16:creationId xmlns:a16="http://schemas.microsoft.com/office/drawing/2014/main" id="{587B509E-C473-8A91-3132-28F6B2C88561}"/>
+              </a:ext>
+            </a:extLst>
+          </p:cNvPr>
+          <p:cNvPicPr>
+            <a:picLocks noChangeAspect="1"/>
+          </p:cNvPicPr>
+          <p:nvPr/>
+        </p:nvPicPr>
+        <p:blipFill>
+          <a:blip r:embed="rId2"/>
+          <a:stretch>
+            <a:fillRect/>
+          </a:stretch>
+        </p:blipFill>
+        <p:spPr>
+          <a:xfrm>
+            <a:off x="9742493" y="2163345"/>
+            <a:ext cx="7621064" cy="5973009"/>
+          </a:xfrm>
+          <a:prstGeom prst="rect">
+            <a:avLst/>
+          </a:prstGeom>
+        </p:spPr>
+      </p:pic>
+      <p:pic>
+        <p:nvPicPr>
+          <p:cNvPr id="7" name="Obrázok 6">
+            <a:extLst>
+              <a:ext uri="{FF2B5EF4-FFF2-40B4-BE49-F238E27FC236}">
+                <a16:creationId xmlns:a16="http://schemas.microsoft.com/office/drawing/2014/main" id="{3D4085C6-6630-C485-3F76-40C48DDE95D8}"/>
+              </a:ext>
+            </a:extLst>
+          </p:cNvPr>
+          <p:cNvPicPr>
+            <a:picLocks noChangeAspect="1"/>
+          </p:cNvPicPr>
+          <p:nvPr/>
+        </p:nvPicPr>
+        <p:blipFill>
+          <a:blip r:embed="rId3"/>
+          <a:stretch>
+            <a:fillRect/>
+          </a:stretch>
+        </p:blipFill>
+        <p:spPr>
+          <a:xfrm>
+            <a:off x="676245" y="1844304"/>
+            <a:ext cx="8282773" cy="6611090"/>
+          </a:xfrm>
+          <a:prstGeom prst="rect">
+            <a:avLst/>
+          </a:prstGeom>
+        </p:spPr>
+      </p:pic>
+    </p:spTree>
+    <p:extLst>
+      <p:ext uri="{BB962C8B-B14F-4D97-AF65-F5344CB8AC3E}">
+        <p14:creationId xmlns:p14="http://schemas.microsoft.com/office/powerpoint/2010/main" val="1394063589"/>
+      </p:ext>
+    </p:extLst>
+  </p:cSld>
+  <p:clrMapOvr>
+    <a:masterClrMapping/>
+  </p:clrMapOvr>
+</p:sld>
+</file>
+
+<file path=ppt/slides/slide9.xml><?xml version="1.0" encoding="utf-8"?>
+<p:sld xmlns:a="http://schemas.openxmlformats.org/drawingml/2006/main" xmlns:r="http://schemas.openxmlformats.org/officeDocument/2006/relationships" xmlns:p="http://schemas.openxmlformats.org/presentationml/2006/main">
+  <p:cSld>
+    <p:spTree>
+      <p:nvGrpSpPr>
+        <p:cNvPr id="1" name=""/>
+        <p:cNvGrpSpPr/>
+        <p:nvPr/>
+      </p:nvGrpSpPr>
+      <p:grpSpPr>
+        <a:xfrm>
+          <a:off x="0" y="0"/>
+          <a:ext cx="0" cy="0"/>
+          <a:chOff x="0" y="0"/>
+          <a:chExt cx="0" cy="0"/>
+        </a:xfrm>
+      </p:grpSpPr>
+      <p:sp>
+        <p:nvSpPr>
+          <p:cNvPr id="2" name="Nadpis 1">
+            <a:extLst>
+              <a:ext uri="{FF2B5EF4-FFF2-40B4-BE49-F238E27FC236}">
+                <a16:creationId xmlns:a16="http://schemas.microsoft.com/office/drawing/2014/main" id="{A5BB8247-DBC5-10B2-5AC2-64F3FEBA3DA6}"/>
+              </a:ext>
+            </a:extLst>
+          </p:cNvPr>
+          <p:cNvSpPr>
+            <a:spLocks noGrp="1"/>
+          </p:cNvSpPr>
+          <p:nvPr>
+            <p:ph type="title"/>
+          </p:nvPr>
+        </p:nvSpPr>
+        <p:spPr>
+          <a:xfrm>
+            <a:off x="4629010" y="815323"/>
+            <a:ext cx="8282773" cy="461665"/>
+          </a:xfrm>
+        </p:spPr>
+        <p:txBody>
+          <a:bodyPr/>
+          <a:lstStyle/>
+          <a:p>
+            <a:pPr algn="ctr"/>
+            <a:r>
+              <a:rPr lang="en-CA" dirty="0"/>
+              <a:t>Grammar</a:t>
+            </a:r>
+            <a:endParaRPr lang="sk-SK" dirty="0"/>
+          </a:p>
+        </p:txBody>
+      </p:sp>
+      <p:sp>
+        <p:nvSpPr>
+          <p:cNvPr id="3" name="Zástupný text 2">
+            <a:extLst>
+              <a:ext uri="{FF2B5EF4-FFF2-40B4-BE49-F238E27FC236}">
+                <a16:creationId xmlns:a16="http://schemas.microsoft.com/office/drawing/2014/main" id="{7EBBD949-7AD2-9886-814A-CEE24B386254}"/>
+              </a:ext>
+            </a:extLst>
+          </p:cNvPr>
+          <p:cNvSpPr>
+            <a:spLocks noGrp="1"/>
+          </p:cNvSpPr>
+          <p:nvPr>
+            <p:ph type="body" idx="1"/>
+          </p:nvPr>
+        </p:nvSpPr>
+        <p:spPr/>
+        <p:txBody>
+          <a:bodyPr/>
+          <a:lstStyle/>
+          <a:p>
+            <a:endParaRPr lang="sk-SK"/>
+          </a:p>
+        </p:txBody>
+      </p:sp>
+      <p:pic>
+        <p:nvPicPr>
+          <p:cNvPr id="5" name="Obrázok 4">
+            <a:extLst>
+              <a:ext uri="{FF2B5EF4-FFF2-40B4-BE49-F238E27FC236}">
+                <a16:creationId xmlns:a16="http://schemas.microsoft.com/office/drawing/2014/main" id="{488E24F3-F864-394D-00BA-487787533ACA}"/>
+              </a:ext>
+            </a:extLst>
+          </p:cNvPr>
+          <p:cNvPicPr>
+            <a:picLocks noChangeAspect="1"/>
+          </p:cNvPicPr>
+          <p:nvPr/>
+        </p:nvPicPr>
+        <p:blipFill>
+          <a:blip r:embed="rId2"/>
+          <a:stretch>
+            <a:fillRect/>
+          </a:stretch>
+        </p:blipFill>
+        <p:spPr>
+          <a:xfrm>
+            <a:off x="9773775" y="2168109"/>
+            <a:ext cx="7582958" cy="5963482"/>
+          </a:xfrm>
+          <a:prstGeom prst="rect">
+            <a:avLst/>
+          </a:prstGeom>
+        </p:spPr>
+      </p:pic>
+      <p:pic>
+        <p:nvPicPr>
+          <p:cNvPr id="7" name="Obrázok 6">
+            <a:extLst>
+              <a:ext uri="{FF2B5EF4-FFF2-40B4-BE49-F238E27FC236}">
+                <a16:creationId xmlns:a16="http://schemas.microsoft.com/office/drawing/2014/main" id="{170568D5-71D8-9076-AF12-A704FB9E868A}"/>
+              </a:ext>
+            </a:extLst>
+          </p:cNvPr>
+          <p:cNvPicPr>
+            <a:picLocks noChangeAspect="1"/>
+          </p:cNvPicPr>
+          <p:nvPr/>
+        </p:nvPicPr>
+        <p:blipFill>
+          <a:blip r:embed="rId3"/>
+          <a:stretch>
+            <a:fillRect/>
+          </a:stretch>
+        </p:blipFill>
+        <p:spPr>
+          <a:xfrm>
+            <a:off x="511049" y="1979545"/>
+            <a:ext cx="8516081" cy="6340610"/>
+          </a:xfrm>
+          <a:prstGeom prst="rect">
+            <a:avLst/>
+          </a:prstGeom>
+        </p:spPr>
+      </p:pic>
+    </p:spTree>
+    <p:extLst>
+      <p:ext uri="{BB962C8B-B14F-4D97-AF65-F5344CB8AC3E}">
+        <p14:creationId xmlns:p14="http://schemas.microsoft.com/office/powerpoint/2010/main" val="961462147"/>
       </p:ext>
     </p:extLst>
   </p:cSld>
